--- a/lectures/E01 - Born to Run/E01 - Born to Run.pptx
+++ b/lectures/E01 - Born to Run/E01 - Born to Run.pptx
@@ -37,22 +37,6 @@
   </p:sldIdLst>
   <p:sldSz cx="9144000" cy="5715000" type="screen16x10"/>
   <p:notesSz cx="7099300" cy="10234613"/>
-  <p:embeddedFontLst>
-    <p:embeddedFont>
-      <p:font typeface="Calibri" pitchFamily="34" charset="0"/>
-      <p:regular r:id="rId27"/>
-      <p:bold r:id="rId28"/>
-      <p:italic r:id="rId29"/>
-      <p:boldItalic r:id="rId30"/>
-    </p:embeddedFont>
-    <p:embeddedFont>
-      <p:font typeface="Minya Nouvelle" charset="0"/>
-      <p:regular r:id="rId31"/>
-      <p:bold r:id="rId32"/>
-      <p:italic r:id="rId33"/>
-      <p:boldItalic r:id="rId34"/>
-    </p:embeddedFont>
-  </p:embeddedFontLst>
   <p:defaultTextStyle>
     <a:defPPr>
       <a:defRPr lang="sv-SE"/>
@@ -234,7 +218,7 @@
             <a:fld id="{D591C14E-198E-48A7-ABEC-7FB80E868E55}" type="datetimeFigureOut">
               <a:rPr lang="sv-SE" smtClean="0"/>
               <a:pPr/>
-              <a:t>2012-11-12</a:t>
+              <a:t>2013-11-11</a:t>
             </a:fld>
             <a:endParaRPr lang="sv-SE"/>
           </a:p>
@@ -401,7 +385,7 @@
             <a:fld id="{188BB863-C913-48B5-BD1A-638D82A0C76B}" type="datetimeFigureOut">
               <a:rPr lang="sv-SE" smtClean="0"/>
               <a:pPr/>
-              <a:t>2012-11-12</a:t>
+              <a:t>2013-11-11</a:t>
             </a:fld>
             <a:endParaRPr lang="sv-SE"/>
           </a:p>
@@ -2066,11 +2050,7 @@
             </a:r>
             <a:r>
               <a:rPr lang="sv-SE" baseline="0" dirty="0" smtClean="0"/>
-              <a:t> faster Web Sites</a:t>
-            </a:r>
-            <a:r>
-              <a:rPr lang="sv-SE" baseline="0" dirty="0" smtClean="0"/>
-              <a:t>”</a:t>
+              <a:t> faster Web Sites”</a:t>
             </a:r>
           </a:p>
           <a:p>
@@ -2272,7 +2252,7 @@
   <p:timing>
     <p:tnLst>
       <p:par>
-        <p:cTn id="1" dur="indefinite" restart="never" nodeType="tmRoot"/>
+        <p:cTn xmlns:p14="http://schemas.microsoft.com/office/powerpoint/2010/main" id="1" dur="indefinite" restart="never" nodeType="tmRoot"/>
       </p:par>
     </p:tnLst>
   </p:timing>
@@ -2497,7 +2477,7 @@
   <p:timing>
     <p:tnLst>
       <p:par>
-        <p:cTn id="1" dur="indefinite" restart="never" nodeType="tmRoot"/>
+        <p:cTn xmlns:p14="http://schemas.microsoft.com/office/powerpoint/2010/main" id="1" dur="indefinite" restart="never" nodeType="tmRoot"/>
       </p:par>
     </p:tnLst>
   </p:timing>
@@ -8553,7 +8533,7 @@
         <p:spPr>
           <a:xfrm>
             <a:off x="395536" y="1201316"/>
-            <a:ext cx="4748416" cy="954107"/>
+            <a:ext cx="4275955" cy="954107"/>
           </a:xfrm>
           <a:prstGeom prst="rect">
             <a:avLst/>
@@ -8576,7 +8556,7 @@
               <a:rPr lang="sv-SE" sz="2800" b="1" dirty="0" smtClean="0">
                 <a:latin typeface="Minya Nouvelle" pitchFamily="2" charset="0"/>
               </a:rPr>
-              <a:t>HT2012</a:t>
+              <a:t>HT2013</a:t>
             </a:r>
             <a:endParaRPr lang="sv-SE" sz="2800" b="1" dirty="0" smtClean="0">
               <a:latin typeface="Minya Nouvelle" pitchFamily="2" charset="0"/>
@@ -8667,7 +8647,7 @@
           </a:prstGeom>
           <a:noFill/>
           <a:extLst>
-            <a:ext uri="{909E8E84-426E-40DD-AFC4-6F175D3DCCD1}">
+            <a:ext uri="{909E8E84-426E-40dd-AFC4-6F175D3DCCD1}">
               <a14:hiddenFill xmlns:a14="http://schemas.microsoft.com/office/drawing/2010/main">
                 <a:solidFill>
                   <a:srgbClr val="FFFFFF"/>
@@ -8722,7 +8702,7 @@
   <p:timing>
     <p:tnLst>
       <p:par>
-        <p:cTn id="1" dur="indefinite" restart="never" nodeType="tmRoot"/>
+        <p:cTn xmlns:p14="http://schemas.microsoft.com/office/powerpoint/2010/main" id="1" dur="indefinite" restart="never" nodeType="tmRoot"/>
       </p:par>
     </p:tnLst>
   </p:timing>
@@ -8839,7 +8819,7 @@
           <a:graphicData uri="http://schemas.openxmlformats.org/presentationml/2006/ole">
             <mc:AlternateContent xmlns:mc="http://schemas.openxmlformats.org/markup-compatibility/2006">
               <mc:Choice xmlns:v="urn:schemas-microsoft-com:vml" Requires="v">
-                <p:oleObj spid="_x0000_s11295" name="Image" r:id="rId4" imgW="1904762" imgH="583921" progId="">
+                <p:oleObj spid="_x0000_s11298" name="Image" r:id="rId4" imgW="1904762" imgH="583921" progId="">
                   <p:embed/>
                 </p:oleObj>
               </mc:Choice>
@@ -8881,14 +8861,14 @@
                       </a:ln>
                       <a:effectLst/>
                       <a:extLst>
-                        <a:ext uri="{909E8E84-426E-40DD-AFC4-6F175D3DCCD1}">
+                        <a:ext uri="{909E8E84-426E-40dd-AFC4-6F175D3DCCD1}">
                           <a14:hiddenFill xmlns:a14="http://schemas.microsoft.com/office/drawing/2010/main">
                             <a:solidFill>
                               <a:schemeClr val="accent1"/>
                             </a:solidFill>
                           </a14:hiddenFill>
                         </a:ext>
-                        <a:ext uri="{91240B29-F687-4F45-9708-019B960494DF}">
+                        <a:ext uri="{91240B29-F687-4f45-9708-019B960494DF}">
                           <a14:hiddenLine xmlns:a14="http://schemas.microsoft.com/office/drawing/2010/main" w="9525">
                             <a:solidFill>
                               <a:schemeClr val="tx1"/>
@@ -8898,7 +8878,7 @@
                             <a:tailEnd/>
                           </a14:hiddenLine>
                         </a:ext>
-                        <a:ext uri="{AF507438-7753-43E0-B8FC-AC1667EBCBE1}">
+                        <a:ext uri="{AF507438-7753-43e0-B8FC-AC1667EBCBE1}">
                           <a14:hiddenEffects xmlns:a14="http://schemas.microsoft.com/office/drawing/2010/main">
                             <a:effectLst>
                               <a:outerShdw dist="35921" dir="2700000" algn="ctr" rotWithShape="0">
@@ -8988,7 +8968,7 @@
   <p:timing>
     <p:tnLst>
       <p:par>
-        <p:cTn id="1" dur="indefinite" restart="never" nodeType="tmRoot"/>
+        <p:cTn xmlns:p14="http://schemas.microsoft.com/office/powerpoint/2010/main" id="1" dur="indefinite" restart="never" nodeType="tmRoot"/>
       </p:par>
     </p:tnLst>
   </p:timing>
@@ -9075,7 +9055,7 @@
             </a:outerShdw>
           </a:effectLst>
           <a:extLst>
-            <a:ext uri="{909E8E84-426E-40DD-AFC4-6F175D3DCCD1}">
+            <a:ext uri="{909E8E84-426E-40dd-AFC4-6F175D3DCCD1}">
               <a14:hiddenFill xmlns:a14="http://schemas.microsoft.com/office/drawing/2010/main">
                 <a:solidFill>
                   <a:srgbClr val="FFFFFF"/>
@@ -9165,7 +9145,6 @@
               <a:rPr lang="sv-SE" sz="2000" dirty="0" smtClean="0"/>
               <a:t>Löst typat språk</a:t>
             </a:r>
-            <a:endParaRPr lang="sv-SE" sz="2000" dirty="0" smtClean="0"/>
           </a:p>
           <a:p>
             <a:pPr marL="342900" indent="-342900">
@@ -9231,7 +9210,7 @@
   <p:timing>
     <p:tnLst>
       <p:par>
-        <p:cTn id="1" dur="indefinite" restart="never" nodeType="tmRoot"/>
+        <p:cTn xmlns:p14="http://schemas.microsoft.com/office/powerpoint/2010/main" id="1" dur="indefinite" restart="never" nodeType="tmRoot"/>
       </p:par>
     </p:tnLst>
   </p:timing>
@@ -9477,7 +9456,7 @@
   <p:timing>
     <p:tnLst>
       <p:par>
-        <p:cTn id="1" dur="indefinite" restart="never" nodeType="tmRoot"/>
+        <p:cTn xmlns:p14="http://schemas.microsoft.com/office/powerpoint/2010/main" id="1" dur="indefinite" restart="never" nodeType="tmRoot"/>
       </p:par>
     </p:tnLst>
   </p:timing>
@@ -9820,7 +9799,7 @@
   <p:timing>
     <p:tnLst>
       <p:par>
-        <p:cTn id="1" dur="indefinite" restart="never" nodeType="tmRoot"/>
+        <p:cTn xmlns:p14="http://schemas.microsoft.com/office/powerpoint/2010/main" id="1" dur="indefinite" restart="never" nodeType="tmRoot"/>
       </p:par>
     </p:tnLst>
   </p:timing>
@@ -10073,10 +10052,10 @@
                 <a:ea typeface="Times New Roman" pitchFamily="18" charset="0"/>
                 <a:cs typeface="Courier New" pitchFamily="49" charset="0"/>
               </a:rPr>
-              <a:t>   &lt;</a:t>
-            </a:r>
-            <a:r>
-              <a:rPr lang="en-GB" b="1" dirty="0">
+              <a:t>   &lt;script type="text/</a:t>
+            </a:r>
+            <a:r>
+              <a:rPr lang="en-GB" b="1" dirty="0" err="1">
                 <a:solidFill>
                   <a:srgbClr val="000000"/>
                 </a:solidFill>
@@ -10084,10 +10063,10 @@
                 <a:ea typeface="Times New Roman" pitchFamily="18" charset="0"/>
                 <a:cs typeface="Courier New" pitchFamily="49" charset="0"/>
               </a:rPr>
-              <a:t>script type="text/</a:t>
-            </a:r>
-            <a:r>
-              <a:rPr lang="en-GB" b="1" dirty="0" err="1">
+              <a:t>javascript</a:t>
+            </a:r>
+            <a:r>
+              <a:rPr lang="en-GB" b="1" dirty="0">
                 <a:solidFill>
                   <a:srgbClr val="000000"/>
                 </a:solidFill>
@@ -10095,27 +10074,8 @@
                 <a:ea typeface="Times New Roman" pitchFamily="18" charset="0"/>
                 <a:cs typeface="Courier New" pitchFamily="49" charset="0"/>
               </a:rPr>
-              <a:t>javascript</a:t>
-            </a:r>
-            <a:r>
-              <a:rPr lang="en-GB" b="1" dirty="0">
-                <a:solidFill>
-                  <a:srgbClr val="000000"/>
-                </a:solidFill>
-                <a:latin typeface="Courier New" pitchFamily="49" charset="0"/>
-                <a:ea typeface="Times New Roman" pitchFamily="18" charset="0"/>
-                <a:cs typeface="Courier New" pitchFamily="49" charset="0"/>
-              </a:rPr>
               <a:t>"&gt;</a:t>
             </a:r>
-            <a:endParaRPr lang="en-GB" b="1" dirty="0">
-              <a:solidFill>
-                <a:srgbClr val="000000"/>
-              </a:solidFill>
-              <a:latin typeface="Courier New" pitchFamily="49" charset="0"/>
-              <a:ea typeface="Times New Roman" pitchFamily="18" charset="0"/>
-              <a:cs typeface="Courier New" pitchFamily="49" charset="0"/>
-            </a:endParaRPr>
           </a:p>
           <a:p>
             <a:endParaRPr lang="en-GB" b="1" dirty="0" smtClean="0">
@@ -10218,7 +10178,7 @@
           </a:prstGeom>
           <a:noFill/>
           <a:extLst>
-            <a:ext uri="{909E8E84-426E-40DD-AFC4-6F175D3DCCD1}">
+            <a:ext uri="{909E8E84-426E-40dd-AFC4-6F175D3DCCD1}">
               <a14:hiddenFill xmlns:a14="http://schemas.microsoft.com/office/drawing/2010/main">
                 <a:solidFill>
                   <a:srgbClr val="FFFFFF"/>
@@ -10284,7 +10244,7 @@
   <p:timing>
     <p:tnLst>
       <p:par>
-        <p:cTn id="1" dur="indefinite" restart="never" nodeType="tmRoot"/>
+        <p:cTn xmlns:p14="http://schemas.microsoft.com/office/powerpoint/2010/main" id="1" dur="indefinite" restart="never" nodeType="tmRoot"/>
       </p:par>
     </p:tnLst>
   </p:timing>
@@ -10415,7 +10375,7 @@
           </a:prstGeom>
           <a:noFill/>
           <a:extLst>
-            <a:ext uri="{909E8E84-426E-40DD-AFC4-6F175D3DCCD1}">
+            <a:ext uri="{909E8E84-426E-40dd-AFC4-6F175D3DCCD1}">
               <a14:hiddenFill xmlns:a14="http://schemas.microsoft.com/office/drawing/2010/main">
                 <a:solidFill>
                   <a:srgbClr val="FFFFFF"/>
@@ -10487,7 +10447,7 @@
           </a:prstGeom>
           <a:noFill/>
           <a:extLst>
-            <a:ext uri="{909E8E84-426E-40DD-AFC4-6F175D3DCCD1}">
+            <a:ext uri="{909E8E84-426E-40dd-AFC4-6F175D3DCCD1}">
               <a14:hiddenFill xmlns:a14="http://schemas.microsoft.com/office/drawing/2010/main">
                 <a:solidFill>
                   <a:srgbClr val="FFFFFF"/>
@@ -10510,7 +10470,7 @@
   <p:timing>
     <p:tnLst>
       <p:par>
-        <p:cTn id="1" dur="indefinite" restart="never" nodeType="tmRoot"/>
+        <p:cTn xmlns:p14="http://schemas.microsoft.com/office/powerpoint/2010/main" id="1" dur="indefinite" restart="never" nodeType="tmRoot"/>
       </p:par>
     </p:tnLst>
   </p:timing>
@@ -10588,7 +10548,7 @@
           </a:prstGeom>
           <a:noFill/>
           <a:extLst>
-            <a:ext uri="{909E8E84-426E-40DD-AFC4-6F175D3DCCD1}">
+            <a:ext uri="{909E8E84-426E-40dd-AFC4-6F175D3DCCD1}">
               <a14:hiddenFill xmlns:a14="http://schemas.microsoft.com/office/drawing/2010/main">
                 <a:solidFill>
                   <a:srgbClr val="FFFFFF"/>
@@ -10629,7 +10589,7 @@
           </a:prstGeom>
           <a:noFill/>
           <a:extLst>
-            <a:ext uri="{909E8E84-426E-40DD-AFC4-6F175D3DCCD1}">
+            <a:ext uri="{909E8E84-426E-40dd-AFC4-6F175D3DCCD1}">
               <a14:hiddenFill xmlns:a14="http://schemas.microsoft.com/office/drawing/2010/main">
                 <a:solidFill>
                   <a:srgbClr val="FFFFFF"/>
@@ -10820,7 +10780,7 @@
           </a:prstGeom>
           <a:noFill/>
           <a:extLst>
-            <a:ext uri="{909E8E84-426E-40DD-AFC4-6F175D3DCCD1}">
+            <a:ext uri="{909E8E84-426E-40dd-AFC4-6F175D3DCCD1}">
               <a14:hiddenFill xmlns:a14="http://schemas.microsoft.com/office/drawing/2010/main">
                 <a:solidFill>
                   <a:srgbClr val="FFFFFF"/>
@@ -10865,14 +10825,14 @@
           </a:ln>
           <a:effectLst/>
           <a:extLst>
-            <a:ext uri="{909E8E84-426E-40DD-AFC4-6F175D3DCCD1}">
+            <a:ext uri="{909E8E84-426E-40dd-AFC4-6F175D3DCCD1}">
               <a14:hiddenFill xmlns:a14="http://schemas.microsoft.com/office/drawing/2010/main">
                 <a:solidFill>
                   <a:schemeClr val="accent1"/>
                 </a:solidFill>
               </a14:hiddenFill>
             </a:ext>
-            <a:ext uri="{91240B29-F687-4F45-9708-019B960494DF}">
+            <a:ext uri="{91240B29-F687-4f45-9708-019B960494DF}">
               <a14:hiddenLine xmlns:a14="http://schemas.microsoft.com/office/drawing/2010/main" w="9525">
                 <a:solidFill>
                   <a:schemeClr val="tx1"/>
@@ -10882,7 +10842,7 @@
                 <a:tailEnd/>
               </a14:hiddenLine>
             </a:ext>
-            <a:ext uri="{AF507438-7753-43E0-B8FC-AC1667EBCBE1}">
+            <a:ext uri="{AF507438-7753-43e0-B8FC-AC1667EBCBE1}">
               <a14:hiddenEffects xmlns:a14="http://schemas.microsoft.com/office/drawing/2010/main">
                 <a:effectLst>
                   <a:outerShdw dist="35921" dir="2700000" algn="ctr" rotWithShape="0">
@@ -10907,7 +10867,7 @@
   <p:timing>
     <p:tnLst>
       <p:par>
-        <p:cTn id="1" dur="indefinite" restart="never" nodeType="tmRoot"/>
+        <p:cTn xmlns:p14="http://schemas.microsoft.com/office/powerpoint/2010/main" id="1" dur="indefinite" restart="never" nodeType="tmRoot"/>
       </p:par>
     </p:tnLst>
   </p:timing>
@@ -11235,7 +11195,7 @@
           </a:prstGeom>
           <a:noFill/>
           <a:extLst>
-            <a:ext uri="{909E8E84-426E-40DD-AFC4-6F175D3DCCD1}">
+            <a:ext uri="{909E8E84-426E-40dd-AFC4-6F175D3DCCD1}">
               <a14:hiddenFill xmlns:a14="http://schemas.microsoft.com/office/drawing/2010/main">
                 <a:solidFill>
                   <a:srgbClr val="FFFFFF"/>
@@ -11258,7 +11218,7 @@
   <p:timing>
     <p:tnLst>
       <p:par>
-        <p:cTn id="1" dur="indefinite" restart="never" nodeType="tmRoot"/>
+        <p:cTn xmlns:p14="http://schemas.microsoft.com/office/powerpoint/2010/main" id="1" dur="indefinite" restart="never" nodeType="tmRoot"/>
       </p:par>
     </p:tnLst>
   </p:timing>
@@ -11535,14 +11495,14 @@
             </a:outerShdw>
           </a:effectLst>
           <a:extLst>
-            <a:ext uri="{909E8E84-426E-40DD-AFC4-6F175D3DCCD1}">
+            <a:ext uri="{909E8E84-426E-40dd-AFC4-6F175D3DCCD1}">
               <a14:hiddenFill xmlns:a14="http://schemas.microsoft.com/office/drawing/2010/main">
                 <a:solidFill>
                   <a:schemeClr val="accent1"/>
                 </a:solidFill>
               </a14:hiddenFill>
             </a:ext>
-            <a:ext uri="{91240B29-F687-4F45-9708-019B960494DF}">
+            <a:ext uri="{91240B29-F687-4f45-9708-019B960494DF}">
               <a14:hiddenLine xmlns:a14="http://schemas.microsoft.com/office/drawing/2010/main" w="9525">
                 <a:solidFill>
                   <a:schemeClr val="tx1"/>
@@ -11595,14 +11555,14 @@
             </a:outerShdw>
           </a:effectLst>
           <a:extLst>
-            <a:ext uri="{909E8E84-426E-40DD-AFC4-6F175D3DCCD1}">
+            <a:ext uri="{909E8E84-426E-40dd-AFC4-6F175D3DCCD1}">
               <a14:hiddenFill xmlns:a14="http://schemas.microsoft.com/office/drawing/2010/main">
                 <a:solidFill>
                   <a:schemeClr val="accent1"/>
                 </a:solidFill>
               </a14:hiddenFill>
             </a:ext>
-            <a:ext uri="{91240B29-F687-4F45-9708-019B960494DF}">
+            <a:ext uri="{91240B29-F687-4f45-9708-019B960494DF}">
               <a14:hiddenLine xmlns:a14="http://schemas.microsoft.com/office/drawing/2010/main" w="9525">
                 <a:solidFill>
                   <a:schemeClr val="tx1"/>
@@ -11646,7 +11606,7 @@
           </a:prstGeom>
           <a:noFill/>
           <a:extLst>
-            <a:ext uri="{909E8E84-426E-40DD-AFC4-6F175D3DCCD1}">
+            <a:ext uri="{909E8E84-426E-40dd-AFC4-6F175D3DCCD1}">
               <a14:hiddenFill xmlns:a14="http://schemas.microsoft.com/office/drawing/2010/main">
                 <a:solidFill>
                   <a:srgbClr val="FFFFFF"/>
@@ -11684,9 +11644,6 @@
               </a:rPr>
               <a:t>&gt;= IE8, &gt;= FF4</a:t>
             </a:r>
-            <a:endParaRPr lang="sv-SE" sz="1600" dirty="0" smtClean="0">
-              <a:latin typeface="Minya Nouvelle" pitchFamily="2" charset="0"/>
-            </a:endParaRPr>
           </a:p>
         </p:txBody>
       </p:sp>
@@ -11703,7 +11660,7 @@
   <p:timing>
     <p:tnLst>
       <p:par>
-        <p:cTn id="1" dur="indefinite" restart="never" nodeType="tmRoot"/>
+        <p:cTn xmlns:p14="http://schemas.microsoft.com/office/powerpoint/2010/main" id="1" dur="indefinite" restart="never" nodeType="tmRoot"/>
       </p:par>
     </p:tnLst>
   </p:timing>
@@ -11812,7 +11769,7 @@
           </a:prstGeom>
           <a:noFill/>
           <a:extLst>
-            <a:ext uri="{909E8E84-426E-40DD-AFC4-6F175D3DCCD1}">
+            <a:ext uri="{909E8E84-426E-40dd-AFC4-6F175D3DCCD1}">
               <a14:hiddenFill xmlns:a14="http://schemas.microsoft.com/office/drawing/2010/main">
                 <a:solidFill>
                   <a:srgbClr val="FFFFFF"/>
@@ -11884,7 +11841,7 @@
           </a:prstGeom>
           <a:noFill/>
           <a:extLst>
-            <a:ext uri="{909E8E84-426E-40DD-AFC4-6F175D3DCCD1}">
+            <a:ext uri="{909E8E84-426E-40dd-AFC4-6F175D3DCCD1}">
               <a14:hiddenFill xmlns:a14="http://schemas.microsoft.com/office/drawing/2010/main">
                 <a:solidFill>
                   <a:srgbClr val="FFFFFF"/>
@@ -11907,7 +11864,7 @@
   <p:timing>
     <p:tnLst>
       <p:par>
-        <p:cTn id="1" dur="indefinite" restart="never" nodeType="tmRoot"/>
+        <p:cTn xmlns:p14="http://schemas.microsoft.com/office/powerpoint/2010/main" id="1" dur="indefinite" restart="never" nodeType="tmRoot"/>
       </p:par>
     </p:tnLst>
   </p:timing>
@@ -12111,7 +12068,7 @@
           </a:prstGeom>
           <a:noFill/>
           <a:extLst>
-            <a:ext uri="{909E8E84-426E-40DD-AFC4-6F175D3DCCD1}">
+            <a:ext uri="{909E8E84-426E-40dd-AFC4-6F175D3DCCD1}">
               <a14:hiddenFill xmlns:a14="http://schemas.microsoft.com/office/drawing/2010/main">
                 <a:solidFill>
                   <a:srgbClr val="FFFFFF"/>
@@ -12129,7 +12086,7 @@
   <p:timing>
     <p:tnLst>
       <p:par>
-        <p:cTn id="1" dur="indefinite" restart="never" nodeType="tmRoot"/>
+        <p:cTn xmlns:p14="http://schemas.microsoft.com/office/powerpoint/2010/main" id="1" dur="indefinite" restart="never" nodeType="tmRoot"/>
       </p:par>
     </p:tnLst>
   </p:timing>
@@ -12397,7 +12354,7 @@
           </a:prstGeom>
           <a:noFill/>
           <a:extLst>
-            <a:ext uri="{909E8E84-426E-40DD-AFC4-6F175D3DCCD1}">
+            <a:ext uri="{909E8E84-426E-40dd-AFC4-6F175D3DCCD1}">
               <a14:hiddenFill xmlns:a14="http://schemas.microsoft.com/office/drawing/2010/main">
                 <a:solidFill>
                   <a:srgbClr val="FFFFFF"/>
@@ -12433,17 +12390,8 @@
               <a:rPr lang="sv-SE" sz="1600" dirty="0" smtClean="0">
                 <a:latin typeface="Minya Nouvelle" pitchFamily="2" charset="0"/>
               </a:rPr>
-              <a:t>Använd enbart i testsyfte! Är avaktiverad i </a:t>
-            </a:r>
-            <a:r>
-              <a:rPr lang="sv-SE" sz="1600" dirty="0" smtClean="0">
-                <a:latin typeface="Minya Nouvelle" pitchFamily="2" charset="0"/>
-              </a:rPr>
-              <a:t>IE och FF.</a:t>
-            </a:r>
-            <a:endParaRPr lang="sv-SE" sz="1600" dirty="0" smtClean="0">
-              <a:latin typeface="Minya Nouvelle" pitchFamily="2" charset="0"/>
-            </a:endParaRPr>
+              <a:t>Använd enbart i testsyfte! Är avaktiverad i IE och FF.</a:t>
+            </a:r>
           </a:p>
         </p:txBody>
       </p:sp>
@@ -12523,14 +12471,14 @@
           </a:ln>
           <a:effectLst/>
           <a:extLst>
-            <a:ext uri="{909E8E84-426E-40DD-AFC4-6F175D3DCCD1}">
+            <a:ext uri="{909E8E84-426E-40dd-AFC4-6F175D3DCCD1}">
               <a14:hiddenFill xmlns:a14="http://schemas.microsoft.com/office/drawing/2010/main">
                 <a:solidFill>
                   <a:schemeClr val="accent1"/>
                 </a:solidFill>
               </a14:hiddenFill>
             </a:ext>
-            <a:ext uri="{91240B29-F687-4F45-9708-019B960494DF}">
+            <a:ext uri="{91240B29-F687-4f45-9708-019B960494DF}">
               <a14:hiddenLine xmlns:a14="http://schemas.microsoft.com/office/drawing/2010/main" w="9525">
                 <a:solidFill>
                   <a:schemeClr val="tx1"/>
@@ -12540,7 +12488,7 @@
                 <a:tailEnd/>
               </a14:hiddenLine>
             </a:ext>
-            <a:ext uri="{AF507438-7753-43E0-B8FC-AC1667EBCBE1}">
+            <a:ext uri="{AF507438-7753-43e0-B8FC-AC1667EBCBE1}">
               <a14:hiddenEffects xmlns:a14="http://schemas.microsoft.com/office/drawing/2010/main">
                 <a:effectLst>
                   <a:outerShdw dist="35921" dir="2700000" algn="ctr" rotWithShape="0">
@@ -12587,14 +12535,14 @@
           </a:ln>
           <a:effectLst/>
           <a:extLst>
-            <a:ext uri="{909E8E84-426E-40DD-AFC4-6F175D3DCCD1}">
+            <a:ext uri="{909E8E84-426E-40dd-AFC4-6F175D3DCCD1}">
               <a14:hiddenFill xmlns:a14="http://schemas.microsoft.com/office/drawing/2010/main">
                 <a:solidFill>
                   <a:schemeClr val="accent1"/>
                 </a:solidFill>
               </a14:hiddenFill>
             </a:ext>
-            <a:ext uri="{91240B29-F687-4F45-9708-019B960494DF}">
+            <a:ext uri="{91240B29-F687-4f45-9708-019B960494DF}">
               <a14:hiddenLine xmlns:a14="http://schemas.microsoft.com/office/drawing/2010/main" w="9525">
                 <a:solidFill>
                   <a:schemeClr val="tx1"/>
@@ -12604,7 +12552,7 @@
                 <a:tailEnd/>
               </a14:hiddenLine>
             </a:ext>
-            <a:ext uri="{AF507438-7753-43E0-B8FC-AC1667EBCBE1}">
+            <a:ext uri="{AF507438-7753-43e0-B8FC-AC1667EBCBE1}">
               <a14:hiddenEffects xmlns:a14="http://schemas.microsoft.com/office/drawing/2010/main">
                 <a:effectLst>
                   <a:outerShdw dist="35921" dir="2700000" algn="ctr" rotWithShape="0">
@@ -12629,7 +12577,7 @@
   <p:timing>
     <p:tnLst>
       <p:par>
-        <p:cTn id="1" dur="indefinite" restart="never" nodeType="tmRoot"/>
+        <p:cTn xmlns:p14="http://schemas.microsoft.com/office/powerpoint/2010/main" id="1" dur="indefinite" restart="never" nodeType="tmRoot"/>
       </p:par>
     </p:tnLst>
   </p:timing>
@@ -13012,7 +12960,7 @@
           </a:prstGeom>
           <a:noFill/>
           <a:extLst>
-            <a:ext uri="{909E8E84-426E-40DD-AFC4-6F175D3DCCD1}">
+            <a:ext uri="{909E8E84-426E-40dd-AFC4-6F175D3DCCD1}">
               <a14:hiddenFill xmlns:a14="http://schemas.microsoft.com/office/drawing/2010/main">
                 <a:solidFill>
                   <a:srgbClr val="FFFFFF"/>
@@ -13035,7 +12983,7 @@
   <p:timing>
     <p:tnLst>
       <p:par>
-        <p:cTn id="1" dur="indefinite" restart="never" nodeType="tmRoot"/>
+        <p:cTn xmlns:p14="http://schemas.microsoft.com/office/powerpoint/2010/main" id="1" dur="indefinite" restart="never" nodeType="tmRoot"/>
       </p:par>
     </p:tnLst>
   </p:timing>
@@ -13453,29 +13401,7 @@
                 <a:ea typeface="Times New Roman" pitchFamily="18" charset="0"/>
                 <a:cs typeface="Courier New" pitchFamily="49" charset="0"/>
               </a:rPr>
-              <a:t>   </a:t>
-            </a:r>
-            <a:r>
-              <a:rPr lang="en-GB" dirty="0" smtClean="0">
-                <a:solidFill>
-                  <a:srgbClr val="000000"/>
-                </a:solidFill>
-                <a:latin typeface="Courier New" pitchFamily="49" charset="0"/>
-                <a:ea typeface="Times New Roman" pitchFamily="18" charset="0"/>
-                <a:cs typeface="Courier New" pitchFamily="49" charset="0"/>
-              </a:rPr>
-              <a:t>   </a:t>
-            </a:r>
-            <a:r>
-              <a:rPr lang="en-GB" dirty="0" smtClean="0">
-                <a:solidFill>
-                  <a:srgbClr val="000000"/>
-                </a:solidFill>
-                <a:latin typeface="Courier New" pitchFamily="49" charset="0"/>
-                <a:ea typeface="Times New Roman" pitchFamily="18" charset="0"/>
-                <a:cs typeface="Courier New" pitchFamily="49" charset="0"/>
-              </a:rPr>
-              <a:t>…</a:t>
+              <a:t>      …</a:t>
             </a:r>
             <a:endParaRPr lang="en-GB" dirty="0">
               <a:solidFill>
@@ -13623,7 +13549,7 @@
           </a:prstGeom>
           <a:noFill/>
           <a:extLst>
-            <a:ext uri="{909E8E84-426E-40DD-AFC4-6F175D3DCCD1}">
+            <a:ext uri="{909E8E84-426E-40dd-AFC4-6F175D3DCCD1}">
               <a14:hiddenFill xmlns:a14="http://schemas.microsoft.com/office/drawing/2010/main">
                 <a:solidFill>
                   <a:srgbClr val="FFFFFF"/>
@@ -13737,14 +13663,6 @@
               </a:rPr>
               <a:t>script&gt;</a:t>
             </a:r>
-            <a:endParaRPr lang="en-GB" b="1" dirty="0">
-              <a:solidFill>
-                <a:srgbClr val="000000"/>
-              </a:solidFill>
-              <a:latin typeface="Courier New" pitchFamily="49" charset="0"/>
-              <a:ea typeface="Times New Roman" pitchFamily="18" charset="0"/>
-              <a:cs typeface="Courier New" pitchFamily="49" charset="0"/>
-            </a:endParaRPr>
           </a:p>
         </p:txBody>
       </p:sp>
@@ -13788,12 +13706,6 @@
               </a:rPr>
               <a:t> kan användas för att tala om att ingen påverkan på dokumentet kommer att ske, ladda parallellt.</a:t>
             </a:r>
-            <a:endParaRPr lang="sv-SE" dirty="0" smtClean="0">
-              <a:solidFill>
-                <a:srgbClr val="FF0000"/>
-              </a:solidFill>
-              <a:latin typeface="Minya Nouvelle" pitchFamily="2" charset="0"/>
-            </a:endParaRPr>
           </a:p>
         </p:txBody>
       </p:sp>
@@ -13893,7 +13805,7 @@
   <p:timing>
     <p:tnLst>
       <p:par>
-        <p:cTn id="1" dur="indefinite" restart="never" nodeType="tmRoot">
+        <p:cTn xmlns:p14="http://schemas.microsoft.com/office/powerpoint/2010/main" id="1" dur="indefinite" restart="never" nodeType="tmRoot">
           <p:childTnLst>
             <p:seq concurrent="1" nextAc="seek">
               <p:cTn id="2" dur="indefinite" nodeType="mainSeq">
@@ -14134,7 +14046,7 @@
           </a:prstGeom>
           <a:noFill/>
           <a:extLst>
-            <a:ext uri="{909E8E84-426E-40DD-AFC4-6F175D3DCCD1}">
+            <a:ext uri="{909E8E84-426E-40dd-AFC4-6F175D3DCCD1}">
               <a14:hiddenFill xmlns:a14="http://schemas.microsoft.com/office/drawing/2010/main">
                 <a:solidFill>
                   <a:srgbClr val="FFFFFF"/>
@@ -14194,7 +14106,7 @@
   <p:timing>
     <p:tnLst>
       <p:par>
-        <p:cTn id="1" dur="indefinite" restart="never" nodeType="tmRoot"/>
+        <p:cTn xmlns:p14="http://schemas.microsoft.com/office/powerpoint/2010/main" id="1" dur="indefinite" restart="never" nodeType="tmRoot"/>
       </p:par>
     </p:tnLst>
   </p:timing>
@@ -14358,7 +14270,7 @@
   <p:timing>
     <p:tnLst>
       <p:par>
-        <p:cTn id="1" dur="indefinite" restart="never" nodeType="tmRoot"/>
+        <p:cTn xmlns:p14="http://schemas.microsoft.com/office/powerpoint/2010/main" id="1" dur="indefinite" restart="never" nodeType="tmRoot"/>
       </p:par>
     </p:tnLst>
   </p:timing>
@@ -15236,7 +15148,7 @@
   <p:timing>
     <p:tnLst>
       <p:par>
-        <p:cTn id="1" dur="indefinite" restart="never" nodeType="tmRoot"/>
+        <p:cTn xmlns:p14="http://schemas.microsoft.com/office/powerpoint/2010/main" id="1" dur="indefinite" restart="never" nodeType="tmRoot"/>
       </p:par>
     </p:tnLst>
   </p:timing>
@@ -15318,14 +15230,14 @@
           </a:ln>
           <a:effectLst/>
           <a:extLst>
-            <a:ext uri="{909E8E84-426E-40DD-AFC4-6F175D3DCCD1}">
+            <a:ext uri="{909E8E84-426E-40dd-AFC4-6F175D3DCCD1}">
               <a14:hiddenFill xmlns:a14="http://schemas.microsoft.com/office/drawing/2010/main">
                 <a:solidFill>
                   <a:schemeClr val="accent1"/>
                 </a:solidFill>
               </a14:hiddenFill>
             </a:ext>
-            <a:ext uri="{91240B29-F687-4F45-9708-019B960494DF}">
+            <a:ext uri="{91240B29-F687-4f45-9708-019B960494DF}">
               <a14:hiddenLine xmlns:a14="http://schemas.microsoft.com/office/drawing/2010/main" w="9525">
                 <a:solidFill>
                   <a:schemeClr val="tx1"/>
@@ -15335,7 +15247,7 @@
                 <a:tailEnd/>
               </a14:hiddenLine>
             </a:ext>
-            <a:ext uri="{AF507438-7753-43E0-B8FC-AC1667EBCBE1}">
+            <a:ext uri="{AF507438-7753-43e0-B8FC-AC1667EBCBE1}">
               <a14:hiddenEffects xmlns:a14="http://schemas.microsoft.com/office/drawing/2010/main">
                 <a:effectLst>
                   <a:outerShdw dist="35921" dir="2700000" algn="ctr" rotWithShape="0">
@@ -15778,7 +15690,7 @@
   <p:timing>
     <p:tnLst>
       <p:par>
-        <p:cTn id="1" dur="indefinite" restart="never" nodeType="tmRoot">
+        <p:cTn xmlns:p14="http://schemas.microsoft.com/office/powerpoint/2010/main" id="1" dur="indefinite" restart="never" nodeType="tmRoot">
           <p:childTnLst>
             <p:seq concurrent="1" nextAc="seek">
               <p:cTn id="2" dur="indefinite" nodeType="mainSeq">
@@ -16696,7 +16608,7 @@
   <p:timing>
     <p:tnLst>
       <p:par>
-        <p:cTn id="1" dur="indefinite" restart="never" nodeType="tmRoot"/>
+        <p:cTn xmlns:p14="http://schemas.microsoft.com/office/powerpoint/2010/main" id="1" dur="indefinite" restart="never" nodeType="tmRoot"/>
       </p:par>
     </p:tnLst>
   </p:timing>
@@ -16782,7 +16694,7 @@
   <p:timing>
     <p:tnLst>
       <p:par>
-        <p:cTn id="1" dur="indefinite" restart="never" nodeType="tmRoot"/>
+        <p:cTn xmlns:p14="http://schemas.microsoft.com/office/powerpoint/2010/main" id="1" dur="indefinite" restart="never" nodeType="tmRoot"/>
       </p:par>
     </p:tnLst>
   </p:timing>
@@ -16890,7 +16802,7 @@
   <p:timing>
     <p:tnLst>
       <p:par>
-        <p:cTn id="1" dur="indefinite" restart="never" nodeType="tmRoot"/>
+        <p:cTn xmlns:p14="http://schemas.microsoft.com/office/powerpoint/2010/main" id="1" dur="indefinite" restart="never" nodeType="tmRoot"/>
       </p:par>
     </p:tnLst>
   </p:timing>
@@ -16954,7 +16866,7 @@
             </a:outerShdw>
           </a:effectLst>
           <a:extLst>
-            <a:ext uri="{909E8E84-426E-40DD-AFC4-6F175D3DCCD1}">
+            <a:ext uri="{909E8E84-426E-40dd-AFC4-6F175D3DCCD1}">
               <a14:hiddenFill xmlns:a14="http://schemas.microsoft.com/office/drawing/2010/main">
                 <a:solidFill>
                   <a:srgbClr val="FFFFFF"/>
@@ -17068,7 +16980,7 @@
             </a:outerShdw>
           </a:effectLst>
           <a:extLst>
-            <a:ext uri="{909E8E84-426E-40DD-AFC4-6F175D3DCCD1}">
+            <a:ext uri="{909E8E84-426E-40dd-AFC4-6F175D3DCCD1}">
               <a14:hiddenFill xmlns:a14="http://schemas.microsoft.com/office/drawing/2010/main">
                 <a:solidFill>
                   <a:srgbClr val="FFFFFF"/>
@@ -17603,7 +17515,7 @@
   <p:timing>
     <p:tnLst>
       <p:par>
-        <p:cTn id="1" dur="indefinite" restart="never" nodeType="tmRoot"/>
+        <p:cTn xmlns:p14="http://schemas.microsoft.com/office/powerpoint/2010/main" id="1" dur="indefinite" restart="never" nodeType="tmRoot"/>
       </p:par>
     </p:tnLst>
   </p:timing>
